--- a/docs/logo/graphix-logo.pptx
+++ b/docs/logo/graphix-logo.pptx
@@ -250,7 +250,7 @@
           <a:p>
             <a:fld id="{2145F883-AAC0-2443-B21B-1CC24BC82A21}" type="datetimeFigureOut">
               <a:rPr lang="en-GB"/>
-              <a:t>11/25/22</a:t>
+              <a:t>07/12/2022</a:t>
             </a:fld>
             <a:endParaRPr lang="en-GB"/>
           </a:p>
@@ -420,7 +420,7 @@
           <a:p>
             <a:fld id="{2145F883-AAC0-2443-B21B-1CC24BC82A21}" type="datetimeFigureOut">
               <a:rPr lang="en-GB"/>
-              <a:t>11/25/22</a:t>
+              <a:t>07/12/2022</a:t>
             </a:fld>
             <a:endParaRPr lang="en-GB"/>
           </a:p>
@@ -600,7 +600,7 @@
           <a:p>
             <a:fld id="{2145F883-AAC0-2443-B21B-1CC24BC82A21}" type="datetimeFigureOut">
               <a:rPr lang="en-GB"/>
-              <a:t>11/25/22</a:t>
+              <a:t>07/12/2022</a:t>
             </a:fld>
             <a:endParaRPr lang="en-GB"/>
           </a:p>
@@ -770,7 +770,7 @@
           <a:p>
             <a:fld id="{2145F883-AAC0-2443-B21B-1CC24BC82A21}" type="datetimeFigureOut">
               <a:rPr lang="en-GB"/>
-              <a:t>11/25/22</a:t>
+              <a:t>07/12/2022</a:t>
             </a:fld>
             <a:endParaRPr lang="en-GB"/>
           </a:p>
@@ -1016,7 +1016,7 @@
           <a:p>
             <a:fld id="{2145F883-AAC0-2443-B21B-1CC24BC82A21}" type="datetimeFigureOut">
               <a:rPr lang="en-GB"/>
-              <a:t>11/25/22</a:t>
+              <a:t>07/12/2022</a:t>
             </a:fld>
             <a:endParaRPr lang="en-GB"/>
           </a:p>
@@ -1248,7 +1248,7 @@
           <a:p>
             <a:fld id="{2145F883-AAC0-2443-B21B-1CC24BC82A21}" type="datetimeFigureOut">
               <a:rPr lang="en-GB"/>
-              <a:t>11/25/22</a:t>
+              <a:t>07/12/2022</a:t>
             </a:fld>
             <a:endParaRPr lang="en-GB"/>
           </a:p>
@@ -1615,7 +1615,7 @@
           <a:p>
             <a:fld id="{2145F883-AAC0-2443-B21B-1CC24BC82A21}" type="datetimeFigureOut">
               <a:rPr lang="en-GB"/>
-              <a:t>11/25/22</a:t>
+              <a:t>07/12/2022</a:t>
             </a:fld>
             <a:endParaRPr lang="en-GB"/>
           </a:p>
@@ -1733,7 +1733,7 @@
           <a:p>
             <a:fld id="{2145F883-AAC0-2443-B21B-1CC24BC82A21}" type="datetimeFigureOut">
               <a:rPr lang="en-GB"/>
-              <a:t>11/25/22</a:t>
+              <a:t>07/12/2022</a:t>
             </a:fld>
             <a:endParaRPr lang="en-GB"/>
           </a:p>
@@ -1828,7 +1828,7 @@
           <a:p>
             <a:fld id="{2145F883-AAC0-2443-B21B-1CC24BC82A21}" type="datetimeFigureOut">
               <a:rPr lang="en-GB"/>
-              <a:t>11/25/22</a:t>
+              <a:t>07/12/2022</a:t>
             </a:fld>
             <a:endParaRPr lang="en-GB"/>
           </a:p>
@@ -2105,7 +2105,7 @@
           <a:p>
             <a:fld id="{2145F883-AAC0-2443-B21B-1CC24BC82A21}" type="datetimeFigureOut">
               <a:rPr lang="en-GB"/>
-              <a:t>11/25/22</a:t>
+              <a:t>07/12/2022</a:t>
             </a:fld>
             <a:endParaRPr lang="en-GB"/>
           </a:p>
@@ -2362,7 +2362,7 @@
           <a:p>
             <a:fld id="{2145F883-AAC0-2443-B21B-1CC24BC82A21}" type="datetimeFigureOut">
               <a:rPr lang="en-GB"/>
-              <a:t>11/25/22</a:t>
+              <a:t>07/12/2022</a:t>
             </a:fld>
             <a:endParaRPr lang="en-GB"/>
           </a:p>
@@ -2575,7 +2575,7 @@
           <a:p>
             <a:fld id="{2145F883-AAC0-2443-B21B-1CC24BC82A21}" type="datetimeFigureOut">
               <a:rPr lang="en-GB"/>
-              <a:t>11/25/22</a:t>
+              <a:t>07/12/2022</a:t>
             </a:fld>
             <a:endParaRPr lang="en-GB"/>
           </a:p>
@@ -8094,8 +8094,8 @@
         </p:nvSpPr>
         <p:spPr>
           <a:xfrm>
-            <a:off x="889885" y="388699"/>
-            <a:ext cx="934102" cy="369332"/>
+            <a:off x="938810" y="481045"/>
+            <a:ext cx="1015471" cy="400110"/>
           </a:xfrm>
           <a:prstGeom prst="rect">
             <a:avLst/>
@@ -8112,52 +8112,11 @@
           <a:lstStyle/>
           <a:p>
             <a:r>
-              <a:rPr lang="en-US">
+              <a:rPr lang="en-US" sz="2000">
                 <a:latin typeface="New Peninim MT" pitchFamily="2" charset="-79"/>
                 <a:cs typeface="New Peninim MT" pitchFamily="2" charset="-79"/>
               </a:rPr>
               <a:t>graphix</a:t>
-            </a:r>
-          </a:p>
-        </p:txBody>
-      </p:sp>
-      <p:sp>
-        <p:nvSpPr>
-          <p:cNvPr id="3" name="TextBox 2">
-            <a:extLst>
-              <a:ext uri="{FF2B5EF4-FFF2-40B4-BE49-F238E27FC236}">
-                <a16:creationId xmlns:a16="http://schemas.microsoft.com/office/drawing/2014/main" id="{64BD214A-E6B5-F2F5-A87E-017EE244E662}"/>
-              </a:ext>
-            </a:extLst>
-          </p:cNvPr>
-          <p:cNvSpPr txBox="1"/>
-          <p:nvPr/>
-        </p:nvSpPr>
-        <p:spPr>
-          <a:xfrm>
-            <a:off x="847293" y="706103"/>
-            <a:ext cx="1595309" cy="200055"/>
-          </a:xfrm>
-          <a:prstGeom prst="rect">
-            <a:avLst/>
-          </a:prstGeom>
-          <a:noFill/>
-          <a:ln>
-            <a:noFill/>
-          </a:ln>
-        </p:spPr>
-        <p:txBody>
-          <a:bodyPr wrap="none" rtlCol="0">
-            <a:spAutoFit/>
-          </a:bodyPr>
-          <a:lstStyle/>
-          <a:p>
-            <a:r>
-              <a:rPr lang="en-US" sz="700">
-                <a:latin typeface="New Peninim MT" pitchFamily="2" charset="-79"/>
-                <a:cs typeface="New Peninim MT" pitchFamily="2" charset="-79"/>
-              </a:rPr>
-              <a:t>Optimizing and simulating LC-MBQC</a:t>
             </a:r>
           </a:p>
         </p:txBody>
